--- a/ppt/WXG.pptx
+++ b/ppt/WXG.pptx
@@ -1414,6 +1414,36 @@
       <dgm:prSet/>
       <dgm:spPr/>
     </dgm:pt>
+    <dgm:pt modelId="{85E5E7BA-1CBC-4AFA-9B2E-8EE9DD8DC5DE}">
+      <dgm:prSet/>
+      <dgm:spPr/>
+      <dgm:t>
+        <a:bodyPr rtlCol="0"/>
+        <a:lstStyle/>
+        <a:p>
+          <a:pPr rtl="0"/>
+          <a:r>
+            <a:rPr lang="en-US" altLang="zh-CN" dirty="0">
+              <a:latin typeface="Microsoft YaHei UI" panose="020B0503020204020204" pitchFamily="34" charset="-122"/>
+              <a:ea typeface="Microsoft YaHei UI" panose="020B0503020204020204" pitchFamily="34" charset="-122"/>
+            </a:rPr>
+            <a:t>RTC</a:t>
+          </a:r>
+          <a:endParaRPr lang="zh-cn" dirty="0">
+            <a:latin typeface="Microsoft YaHei UI" panose="020B0503020204020204" pitchFamily="34" charset="-122"/>
+            <a:ea typeface="Microsoft YaHei UI" panose="020B0503020204020204" pitchFamily="34" charset="-122"/>
+          </a:endParaRPr>
+        </a:p>
+      </dgm:t>
+    </dgm:pt>
+    <dgm:pt modelId="{4CEDD328-C844-495C-8059-74A5783274F5}" type="parTrans" cxnId="{4BBC3DEC-B19A-4EA4-A730-0D4B5356CC35}">
+      <dgm:prSet/>
+      <dgm:spPr/>
+    </dgm:pt>
+    <dgm:pt modelId="{0E729B5F-78FD-4C87-B96F-819CE171E4F2}" type="sibTrans" cxnId="{4BBC3DEC-B19A-4EA4-A730-0D4B5356CC35}">
+      <dgm:prSet/>
+      <dgm:spPr/>
+    </dgm:pt>
     <dgm:pt modelId="{AB52B3CC-6563-466D-BFC3-9B6B5AFA0881}" type="pres">
       <dgm:prSet presAssocID="{6A70FD8F-0050-42E3-8B3A-6ED7CFB9852E}" presName="Name0" presStyleCnt="0">
         <dgm:presLayoutVars>
@@ -1651,7 +1681,9 @@
     <dgm:cxn modelId="{E13585A2-54F2-486A-B317-F4D6AF7E83B9}" type="presOf" srcId="{E80CA270-6C90-4E17-ACEA-46B56AD54DD1}" destId="{DF65791B-462E-4589-B98D-F60587330CA8}" srcOrd="0" destOrd="0" presId="urn:microsoft.com/office/officeart/2016/7/layout/RoundedRectangleTimeline"/>
     <dgm:cxn modelId="{FAA8D3DD-12E8-457D-9144-B037C5678347}" srcId="{09C152DA-7620-4852-8162-A77EC3609F3F}" destId="{6C8937BE-93F8-4DED-8538-1C601DAEBA66}" srcOrd="0" destOrd="0" parTransId="{77D169C6-D77F-456D-B18B-D7BE016AD87A}" sibTransId="{A97BE953-FA9D-4BA6-A92C-494DB1F3BA59}"/>
     <dgm:cxn modelId="{C5202EE1-10E9-4076-9D55-9E0CF8B152AF}" srcId="{6A70FD8F-0050-42E3-8B3A-6ED7CFB9852E}" destId="{8DB5D7D5-6A1C-4ABC-8850-759A9D876047}" srcOrd="0" destOrd="0" parTransId="{D8874F40-D7B0-41DE-BB6F-A6014FEAB2D7}" sibTransId="{BD6E0A2E-99C8-4F5A-971A-CD211D1099FF}"/>
+    <dgm:cxn modelId="{4BBC3DEC-B19A-4EA4-A730-0D4B5356CC35}" srcId="{09C152DA-7620-4852-8162-A77EC3609F3F}" destId="{85E5E7BA-1CBC-4AFA-9B2E-8EE9DD8DC5DE}" srcOrd="1" destOrd="0" parTransId="{4CEDD328-C844-495C-8059-74A5783274F5}" sibTransId="{0E729B5F-78FD-4C87-B96F-819CE171E4F2}"/>
     <dgm:cxn modelId="{ED3068F0-C35A-4826-A7A6-B5D5B6BD26F5}" type="presOf" srcId="{8F8D9EF8-47DC-4B47-A79F-234F5FD4C3DD}" destId="{EDAD44F0-EAAA-4467-8844-681E2B035083}" srcOrd="0" destOrd="0" presId="urn:microsoft.com/office/officeart/2016/7/layout/RoundedRectangleTimeline"/>
+    <dgm:cxn modelId="{3684DFF3-0BD9-47B0-AE46-D38071758DA4}" type="presOf" srcId="{85E5E7BA-1CBC-4AFA-9B2E-8EE9DD8DC5DE}" destId="{B4723E2A-4FF1-452A-BD25-8EC364F15A6F}" srcOrd="0" destOrd="1" presId="urn:microsoft.com/office/officeart/2016/7/layout/RoundedRectangleTimeline"/>
     <dgm:cxn modelId="{2DC28DF8-5C1B-4F53-A4C1-D5B63FB54BAF}" srcId="{C5146535-FD3D-4589-98A3-623B8DA4B8DB}" destId="{E80CA270-6C90-4E17-ACEA-46B56AD54DD1}" srcOrd="0" destOrd="0" parTransId="{7EEC8067-96EF-4BE0-8BE3-BA59ED78A31F}" sibTransId="{1AFE46E5-6B07-4894-8ECB-21BD7E7B8AF1}"/>
     <dgm:cxn modelId="{76459B4A-BC95-4631-A3CC-1410E80D5DFD}" type="presParOf" srcId="{AB52B3CC-6563-466D-BFC3-9B6B5AFA0881}" destId="{815EDF7B-AC93-4A61-87AA-CAA5D85C31A8}" srcOrd="0" destOrd="0" presId="urn:microsoft.com/office/officeart/2016/7/layout/RoundedRectangleTimeline"/>
     <dgm:cxn modelId="{4238FA88-CE43-4680-BFB0-73DED5612698}" type="presParOf" srcId="{815EDF7B-AC93-4A61-87AA-CAA5D85C31A8}" destId="{954381E7-0584-46DD-8108-E9BF4F2B5005}" srcOrd="0" destOrd="0" presId="urn:microsoft.com/office/officeart/2016/7/layout/RoundedRectangleTimeline"/>
@@ -2328,6 +2360,31 @@
               <a:ea typeface="Microsoft YaHei UI" panose="020B0503020204020204" pitchFamily="34" charset="-122"/>
             </a:rPr>
             <a:t>gRPC</a:t>
+          </a:r>
+          <a:endParaRPr lang="zh-cn" sz="1100" kern="1200" dirty="0">
+            <a:latin typeface="Microsoft YaHei UI" panose="020B0503020204020204" pitchFamily="34" charset="-122"/>
+            <a:ea typeface="Microsoft YaHei UI" panose="020B0503020204020204" pitchFamily="34" charset="-122"/>
+          </a:endParaRPr>
+        </a:p>
+        <a:p>
+          <a:pPr marL="0" lvl="0" indent="0" algn="ctr" defTabSz="488950" rtl="0">
+            <a:lnSpc>
+              <a:spcPct val="90000"/>
+            </a:lnSpc>
+            <a:spcBef>
+              <a:spcPct val="0"/>
+            </a:spcBef>
+            <a:spcAft>
+              <a:spcPct val="35000"/>
+            </a:spcAft>
+            <a:buNone/>
+          </a:pPr>
+          <a:r>
+            <a:rPr lang="en-US" altLang="zh-CN" sz="1100" kern="1200" dirty="0">
+              <a:latin typeface="Microsoft YaHei UI" panose="020B0503020204020204" pitchFamily="34" charset="-122"/>
+              <a:ea typeface="Microsoft YaHei UI" panose="020B0503020204020204" pitchFamily="34" charset="-122"/>
+            </a:rPr>
+            <a:t>RTC</a:t>
           </a:r>
           <a:endParaRPr lang="zh-cn" sz="1100" kern="1200" dirty="0">
             <a:latin typeface="Microsoft YaHei UI" panose="020B0503020204020204" pitchFamily="34" charset="-122"/>
@@ -9038,7 +9095,7 @@
             <p:ph idx="1"/>
             <p:extLst>
               <p:ext uri="{D42A27DB-BD31-4B8C-83A1-F6EECF244321}">
-                <p14:modId xmlns:p14="http://schemas.microsoft.com/office/powerpoint/2010/main" val="119948292"/>
+                <p14:modId xmlns:p14="http://schemas.microsoft.com/office/powerpoint/2010/main" val="3328113157"/>
               </p:ext>
             </p:extLst>
           </p:nvPr>

--- a/ppt/WXG.pptx
+++ b/ppt/WXG.pptx
@@ -5,14 +5,21 @@
     <p:sldMasterId id="2147483712" r:id="rId1"/>
   </p:sldMasterIdLst>
   <p:notesMasterIdLst>
-    <p:notesMasterId r:id="rId4"/>
+    <p:notesMasterId r:id="rId11"/>
   </p:notesMasterIdLst>
   <p:handoutMasterIdLst>
-    <p:handoutMasterId r:id="rId5"/>
+    <p:handoutMasterId r:id="rId12"/>
   </p:handoutMasterIdLst>
   <p:sldIdLst>
     <p:sldId id="257" r:id="rId2"/>
     <p:sldId id="258" r:id="rId3"/>
+    <p:sldId id="259" r:id="rId4"/>
+    <p:sldId id="260" r:id="rId5"/>
+    <p:sldId id="262" r:id="rId6"/>
+    <p:sldId id="261" r:id="rId7"/>
+    <p:sldId id="263" r:id="rId8"/>
+    <p:sldId id="265" r:id="rId9"/>
+    <p:sldId id="264" r:id="rId10"/>
   </p:sldIdLst>
   <p:sldSz cx="12192000" cy="6858000"/>
   <p:notesSz cx="6858000" cy="9144000"/>
@@ -1349,10 +1356,24 @@
     <dgm:pt modelId="{F8BC538F-772D-4827-A5F5-AFD65FA6D923}" type="parTrans" cxnId="{1A5BFE1A-9808-4CD1-85AF-D3D2683B0D9C}">
       <dgm:prSet/>
       <dgm:spPr/>
+      <dgm:t>
+        <a:bodyPr/>
+        <a:lstStyle/>
+        <a:p>
+          <a:endParaRPr lang="zh-CN" altLang="en-US"/>
+        </a:p>
+      </dgm:t>
     </dgm:pt>
     <dgm:pt modelId="{B6A2968A-D491-44E6-A2D7-3E47275B8966}" type="sibTrans" cxnId="{1A5BFE1A-9808-4CD1-85AF-D3D2683B0D9C}">
       <dgm:prSet/>
       <dgm:spPr/>
+      <dgm:t>
+        <a:bodyPr/>
+        <a:lstStyle/>
+        <a:p>
+          <a:endParaRPr lang="zh-CN" altLang="en-US"/>
+        </a:p>
+      </dgm:t>
     </dgm:pt>
     <dgm:pt modelId="{8F8D9EF8-47DC-4B47-A79F-234F5FD4C3DD}">
       <dgm:prSet/>
@@ -1379,10 +1400,24 @@
     <dgm:pt modelId="{91A1912C-2F86-4DBA-8DC9-3AA49098C943}" type="parTrans" cxnId="{506AF769-7735-49B3-854F-894107AD10F8}">
       <dgm:prSet/>
       <dgm:spPr/>
+      <dgm:t>
+        <a:bodyPr/>
+        <a:lstStyle/>
+        <a:p>
+          <a:endParaRPr lang="zh-CN" altLang="en-US"/>
+        </a:p>
+      </dgm:t>
     </dgm:pt>
     <dgm:pt modelId="{36E49111-579C-4EFC-AFBB-FBA0D9384F41}" type="sibTrans" cxnId="{506AF769-7735-49B3-854F-894107AD10F8}">
       <dgm:prSet/>
       <dgm:spPr/>
+      <dgm:t>
+        <a:bodyPr/>
+        <a:lstStyle/>
+        <a:p>
+          <a:endParaRPr lang="zh-CN" altLang="en-US"/>
+        </a:p>
+      </dgm:t>
     </dgm:pt>
     <dgm:pt modelId="{C3930687-0C41-4649-8CCF-E1EB98CC29C8}">
       <dgm:prSet/>
@@ -1409,10 +1444,112 @@
     <dgm:pt modelId="{40DBBEE7-2A6C-419A-A1AE-4DEF2DD3AA0F}" type="parTrans" cxnId="{DDEFA65B-36CA-4E1D-BA50-0FDCAB4C174F}">
       <dgm:prSet/>
       <dgm:spPr/>
+      <dgm:t>
+        <a:bodyPr/>
+        <a:lstStyle/>
+        <a:p>
+          <a:endParaRPr lang="zh-CN" altLang="en-US"/>
+        </a:p>
+      </dgm:t>
     </dgm:pt>
     <dgm:pt modelId="{0FD57EC6-4D8B-4324-8791-2DB45C2E4F83}" type="sibTrans" cxnId="{DDEFA65B-36CA-4E1D-BA50-0FDCAB4C174F}">
       <dgm:prSet/>
       <dgm:spPr/>
+      <dgm:t>
+        <a:bodyPr/>
+        <a:lstStyle/>
+        <a:p>
+          <a:endParaRPr lang="zh-CN" altLang="en-US"/>
+        </a:p>
+      </dgm:t>
+    </dgm:pt>
+    <dgm:pt modelId="{92812B31-17BF-402B-B963-B290E2F7C900}">
+      <dgm:prSet/>
+      <dgm:spPr/>
+      <dgm:t>
+        <a:bodyPr rtlCol="0"/>
+        <a:lstStyle/>
+        <a:p>
+          <a:pPr rtl="0"/>
+          <a:r>
+            <a:rPr lang="en-US" altLang="zh-CN" dirty="0">
+              <a:latin typeface="Microsoft YaHei UI" panose="020B0503020204020204" pitchFamily="34" charset="-122"/>
+              <a:ea typeface="Microsoft YaHei UI" panose="020B0503020204020204" pitchFamily="34" charset="-122"/>
+            </a:rPr>
+            <a:t>Room</a:t>
+          </a:r>
+          <a:endParaRPr lang="zh-cn" dirty="0">
+            <a:latin typeface="Microsoft YaHei UI" panose="020B0503020204020204" pitchFamily="34" charset="-122"/>
+            <a:ea typeface="Microsoft YaHei UI" panose="020B0503020204020204" pitchFamily="34" charset="-122"/>
+          </a:endParaRPr>
+        </a:p>
+      </dgm:t>
+    </dgm:pt>
+    <dgm:pt modelId="{1160D7A6-E77A-443C-B602-00F2E7B3FC35}" type="parTrans" cxnId="{8A59BE46-6B89-42EE-965D-A66D0A139636}">
+      <dgm:prSet/>
+      <dgm:spPr/>
+      <dgm:t>
+        <a:bodyPr/>
+        <a:lstStyle/>
+        <a:p>
+          <a:endParaRPr lang="zh-CN" altLang="en-US"/>
+        </a:p>
+      </dgm:t>
+    </dgm:pt>
+    <dgm:pt modelId="{4346283D-A56C-4B66-8B2C-7CEF248D9DCA}" type="sibTrans" cxnId="{8A59BE46-6B89-42EE-965D-A66D0A139636}">
+      <dgm:prSet/>
+      <dgm:spPr/>
+      <dgm:t>
+        <a:bodyPr/>
+        <a:lstStyle/>
+        <a:p>
+          <a:endParaRPr lang="zh-CN" altLang="en-US"/>
+        </a:p>
+      </dgm:t>
+    </dgm:pt>
+    <dgm:pt modelId="{DC859383-C08D-4CA3-B342-7AE17B439E4B}">
+      <dgm:prSet/>
+      <dgm:spPr/>
+      <dgm:t>
+        <a:bodyPr rtlCol="0"/>
+        <a:lstStyle/>
+        <a:p>
+          <a:pPr rtl="0"/>
+          <a:r>
+            <a:rPr lang="en-US" altLang="zh-CN" dirty="0">
+              <a:latin typeface="Microsoft YaHei UI" panose="020B0503020204020204" pitchFamily="34" charset="-122"/>
+              <a:ea typeface="Microsoft YaHei UI" panose="020B0503020204020204" pitchFamily="34" charset="-122"/>
+            </a:rPr>
+            <a:t>RTC</a:t>
+          </a:r>
+          <a:endParaRPr lang="zh-cn" dirty="0">
+            <a:latin typeface="Microsoft YaHei UI" panose="020B0503020204020204" pitchFamily="34" charset="-122"/>
+            <a:ea typeface="Microsoft YaHei UI" panose="020B0503020204020204" pitchFamily="34" charset="-122"/>
+          </a:endParaRPr>
+        </a:p>
+      </dgm:t>
+    </dgm:pt>
+    <dgm:pt modelId="{FA40968B-5C08-4023-853B-FC0591BDA8BC}" type="parTrans" cxnId="{CDE7FDE3-A611-4799-A698-526A28871E4C}">
+      <dgm:prSet/>
+      <dgm:spPr/>
+      <dgm:t>
+        <a:bodyPr/>
+        <a:lstStyle/>
+        <a:p>
+          <a:endParaRPr lang="zh-CN" altLang="en-US"/>
+        </a:p>
+      </dgm:t>
+    </dgm:pt>
+    <dgm:pt modelId="{3E0B3332-DDBC-403F-A4BB-983EA0F6B1C7}" type="sibTrans" cxnId="{CDE7FDE3-A611-4799-A698-526A28871E4C}">
+      <dgm:prSet/>
+      <dgm:spPr/>
+      <dgm:t>
+        <a:bodyPr/>
+        <a:lstStyle/>
+        <a:p>
+          <a:endParaRPr lang="zh-CN" altLang="en-US"/>
+        </a:p>
+      </dgm:t>
     </dgm:pt>
     <dgm:pt modelId="{AB52B3CC-6563-466D-BFC3-9B6B5AFA0881}" type="pres">
       <dgm:prSet presAssocID="{6A70FD8F-0050-42E3-8B3A-6ED7CFB9852E}" presName="Name0" presStyleCnt="0">
@@ -1640,6 +1777,7 @@
     <dgm:cxn modelId="{1A5BFE1A-9808-4CD1-85AF-D3D2683B0D9C}" srcId="{6A70FD8F-0050-42E3-8B3A-6ED7CFB9852E}" destId="{D5366139-2BAE-4103-BD02-4AF8F3F6B530}" srcOrd="3" destOrd="0" parTransId="{F8BC538F-772D-4827-A5F5-AFD65FA6D923}" sibTransId="{B6A2968A-D491-44E6-A2D7-3E47275B8966}"/>
     <dgm:cxn modelId="{22ECA226-C4EA-44F1-BCB5-77F78841DA6F}" type="presOf" srcId="{09C152DA-7620-4852-8162-A77EC3609F3F}" destId="{566B79CB-1A41-4F5C-BF91-58D94BF93913}" srcOrd="0" destOrd="0" presId="urn:microsoft.com/office/officeart/2016/7/layout/RoundedRectangleTimeline"/>
     <dgm:cxn modelId="{DDEFA65B-36CA-4E1D-BA50-0FDCAB4C174F}" srcId="{D5366139-2BAE-4103-BD02-4AF8F3F6B530}" destId="{C3930687-0C41-4649-8CCF-E1EB98CC29C8}" srcOrd="1" destOrd="0" parTransId="{40DBBEE7-2A6C-419A-A1AE-4DEF2DD3AA0F}" sibTransId="{0FD57EC6-4D8B-4324-8791-2DB45C2E4F83}"/>
+    <dgm:cxn modelId="{8A59BE46-6B89-42EE-965D-A66D0A139636}" srcId="{C5146535-FD3D-4589-98A3-623B8DA4B8DB}" destId="{92812B31-17BF-402B-B963-B290E2F7C900}" srcOrd="0" destOrd="0" parTransId="{1160D7A6-E77A-443C-B602-00F2E7B3FC35}" sibTransId="{4346283D-A56C-4B66-8B2C-7CEF248D9DCA}"/>
     <dgm:cxn modelId="{506AF769-7735-49B3-854F-894107AD10F8}" srcId="{D5366139-2BAE-4103-BD02-4AF8F3F6B530}" destId="{8F8D9EF8-47DC-4B47-A79F-234F5FD4C3DD}" srcOrd="0" destOrd="0" parTransId="{91A1912C-2F86-4DBA-8DC9-3AA49098C943}" sibTransId="{36E49111-579C-4EFC-AFBB-FBA0D9384F41}"/>
     <dgm:cxn modelId="{E2BBA750-A5E4-4F50-BE16-016934379F81}" type="presOf" srcId="{6C8937BE-93F8-4DED-8538-1C601DAEBA66}" destId="{B4723E2A-4FF1-452A-BD25-8EC364F15A6F}" srcOrd="0" destOrd="0" presId="urn:microsoft.com/office/officeart/2016/7/layout/RoundedRectangleTimeline"/>
     <dgm:cxn modelId="{82CEE051-960E-4F89-8D69-7E872EE374F3}" type="presOf" srcId="{C3930687-0C41-4649-8CCF-E1EB98CC29C8}" destId="{EDAD44F0-EAAA-4467-8844-681E2B035083}" srcOrd="0" destOrd="1" presId="urn:microsoft.com/office/officeart/2016/7/layout/RoundedRectangleTimeline"/>
@@ -1648,11 +1786,14 @@
     <dgm:cxn modelId="{23ECAC8B-17A4-4883-AA0E-06D66B7E788A}" srcId="{6A70FD8F-0050-42E3-8B3A-6ED7CFB9852E}" destId="{09C152DA-7620-4852-8162-A77EC3609F3F}" srcOrd="2" destOrd="0" parTransId="{9F6D14C0-6C82-4CBD-8D6D-B0E117B6F2ED}" sibTransId="{0AE8D36D-0F0F-4206-AE39-0A2D73987B68}"/>
     <dgm:cxn modelId="{28BA7594-F0FD-4504-A4D5-152BEE04C9A7}" type="presOf" srcId="{D5366139-2BAE-4103-BD02-4AF8F3F6B530}" destId="{3EE8CF97-7DAE-4A3C-9838-C19A506A9489}" srcOrd="0" destOrd="0" presId="urn:microsoft.com/office/officeart/2016/7/layout/RoundedRectangleTimeline"/>
     <dgm:cxn modelId="{F9540599-A193-456C-A9A9-8962E3855B0B}" type="presOf" srcId="{96262926-A67D-4E4E-9515-5EBC67F0B634}" destId="{5A1B764B-0DC5-47CD-BDEA-9E67799496EC}" srcOrd="0" destOrd="0" presId="urn:microsoft.com/office/officeart/2016/7/layout/RoundedRectangleTimeline"/>
-    <dgm:cxn modelId="{E13585A2-54F2-486A-B317-F4D6AF7E83B9}" type="presOf" srcId="{E80CA270-6C90-4E17-ACEA-46B56AD54DD1}" destId="{DF65791B-462E-4589-B98D-F60587330CA8}" srcOrd="0" destOrd="0" presId="urn:microsoft.com/office/officeart/2016/7/layout/RoundedRectangleTimeline"/>
+    <dgm:cxn modelId="{E13585A2-54F2-486A-B317-F4D6AF7E83B9}" type="presOf" srcId="{E80CA270-6C90-4E17-ACEA-46B56AD54DD1}" destId="{DF65791B-462E-4589-B98D-F60587330CA8}" srcOrd="0" destOrd="1" presId="urn:microsoft.com/office/officeart/2016/7/layout/RoundedRectangleTimeline"/>
+    <dgm:cxn modelId="{F18129BE-7C90-429B-BBD3-A2D5697B209E}" type="presOf" srcId="{92812B31-17BF-402B-B963-B290E2F7C900}" destId="{DF65791B-462E-4589-B98D-F60587330CA8}" srcOrd="0" destOrd="0" presId="urn:microsoft.com/office/officeart/2016/7/layout/RoundedRectangleTimeline"/>
+    <dgm:cxn modelId="{475028D9-B577-4095-A876-60B2E82A23A1}" type="presOf" srcId="{DC859383-C08D-4CA3-B342-7AE17B439E4B}" destId="{B4723E2A-4FF1-452A-BD25-8EC364F15A6F}" srcOrd="0" destOrd="1" presId="urn:microsoft.com/office/officeart/2016/7/layout/RoundedRectangleTimeline"/>
     <dgm:cxn modelId="{FAA8D3DD-12E8-457D-9144-B037C5678347}" srcId="{09C152DA-7620-4852-8162-A77EC3609F3F}" destId="{6C8937BE-93F8-4DED-8538-1C601DAEBA66}" srcOrd="0" destOrd="0" parTransId="{77D169C6-D77F-456D-B18B-D7BE016AD87A}" sibTransId="{A97BE953-FA9D-4BA6-A92C-494DB1F3BA59}"/>
     <dgm:cxn modelId="{C5202EE1-10E9-4076-9D55-9E0CF8B152AF}" srcId="{6A70FD8F-0050-42E3-8B3A-6ED7CFB9852E}" destId="{8DB5D7D5-6A1C-4ABC-8850-759A9D876047}" srcOrd="0" destOrd="0" parTransId="{D8874F40-D7B0-41DE-BB6F-A6014FEAB2D7}" sibTransId="{BD6E0A2E-99C8-4F5A-971A-CD211D1099FF}"/>
+    <dgm:cxn modelId="{CDE7FDE3-A611-4799-A698-526A28871E4C}" srcId="{09C152DA-7620-4852-8162-A77EC3609F3F}" destId="{DC859383-C08D-4CA3-B342-7AE17B439E4B}" srcOrd="1" destOrd="0" parTransId="{FA40968B-5C08-4023-853B-FC0591BDA8BC}" sibTransId="{3E0B3332-DDBC-403F-A4BB-983EA0F6B1C7}"/>
     <dgm:cxn modelId="{ED3068F0-C35A-4826-A7A6-B5D5B6BD26F5}" type="presOf" srcId="{8F8D9EF8-47DC-4B47-A79F-234F5FD4C3DD}" destId="{EDAD44F0-EAAA-4467-8844-681E2B035083}" srcOrd="0" destOrd="0" presId="urn:microsoft.com/office/officeart/2016/7/layout/RoundedRectangleTimeline"/>
-    <dgm:cxn modelId="{2DC28DF8-5C1B-4F53-A4C1-D5B63FB54BAF}" srcId="{C5146535-FD3D-4589-98A3-623B8DA4B8DB}" destId="{E80CA270-6C90-4E17-ACEA-46B56AD54DD1}" srcOrd="0" destOrd="0" parTransId="{7EEC8067-96EF-4BE0-8BE3-BA59ED78A31F}" sibTransId="{1AFE46E5-6B07-4894-8ECB-21BD7E7B8AF1}"/>
+    <dgm:cxn modelId="{2DC28DF8-5C1B-4F53-A4C1-D5B63FB54BAF}" srcId="{C5146535-FD3D-4589-98A3-623B8DA4B8DB}" destId="{E80CA270-6C90-4E17-ACEA-46B56AD54DD1}" srcOrd="1" destOrd="0" parTransId="{7EEC8067-96EF-4BE0-8BE3-BA59ED78A31F}" sibTransId="{1AFE46E5-6B07-4894-8ECB-21BD7E7B8AF1}"/>
     <dgm:cxn modelId="{76459B4A-BC95-4631-A3CC-1410E80D5DFD}" type="presParOf" srcId="{AB52B3CC-6563-466D-BFC3-9B6B5AFA0881}" destId="{815EDF7B-AC93-4A61-87AA-CAA5D85C31A8}" srcOrd="0" destOrd="0" presId="urn:microsoft.com/office/officeart/2016/7/layout/RoundedRectangleTimeline"/>
     <dgm:cxn modelId="{4238FA88-CE43-4680-BFB0-73DED5612698}" type="presParOf" srcId="{815EDF7B-AC93-4A61-87AA-CAA5D85C31A8}" destId="{954381E7-0584-46DD-8108-E9BF4F2B5005}" srcOrd="0" destOrd="0" presId="urn:microsoft.com/office/officeart/2016/7/layout/RoundedRectangleTimeline"/>
     <dgm:cxn modelId="{6497CE05-0893-4952-B18A-28D71D90B841}" type="presParOf" srcId="{815EDF7B-AC93-4A61-87AA-CAA5D85C31A8}" destId="{5A1B764B-0DC5-47CD-BDEA-9E67799496EC}" srcOrd="1" destOrd="0" presId="urn:microsoft.com/office/officeart/2016/7/layout/RoundedRectangleTimeline"/>
@@ -2083,6 +2224,31 @@
               <a:latin typeface="Microsoft YaHei UI" panose="020B0503020204020204" pitchFamily="34" charset="-122"/>
               <a:ea typeface="Microsoft YaHei UI" panose="020B0503020204020204" pitchFamily="34" charset="-122"/>
             </a:rPr>
+            <a:t>Room</a:t>
+          </a:r>
+          <a:endParaRPr lang="zh-cn" sz="1100" kern="1200" dirty="0">
+            <a:latin typeface="Microsoft YaHei UI" panose="020B0503020204020204" pitchFamily="34" charset="-122"/>
+            <a:ea typeface="Microsoft YaHei UI" panose="020B0503020204020204" pitchFamily="34" charset="-122"/>
+          </a:endParaRPr>
+        </a:p>
+        <a:p>
+          <a:pPr marL="0" lvl="0" indent="0" algn="ctr" defTabSz="488950" rtl="0">
+            <a:lnSpc>
+              <a:spcPct val="90000"/>
+            </a:lnSpc>
+            <a:spcBef>
+              <a:spcPct val="0"/>
+            </a:spcBef>
+            <a:spcAft>
+              <a:spcPct val="35000"/>
+            </a:spcAft>
+            <a:buNone/>
+          </a:pPr>
+          <a:r>
+            <a:rPr lang="en-US" altLang="zh-CN" sz="1100" kern="1200" dirty="0">
+              <a:latin typeface="Microsoft YaHei UI" panose="020B0503020204020204" pitchFamily="34" charset="-122"/>
+              <a:ea typeface="Microsoft YaHei UI" panose="020B0503020204020204" pitchFamily="34" charset="-122"/>
+            </a:rPr>
             <a:t>Revolutionary database -- realm</a:t>
           </a:r>
           <a:endParaRPr lang="zh-cn" sz="1100" kern="1200" dirty="0">
@@ -2328,6 +2494,31 @@
               <a:ea typeface="Microsoft YaHei UI" panose="020B0503020204020204" pitchFamily="34" charset="-122"/>
             </a:rPr>
             <a:t>gRPC</a:t>
+          </a:r>
+          <a:endParaRPr lang="zh-cn" sz="1100" kern="1200" dirty="0">
+            <a:latin typeface="Microsoft YaHei UI" panose="020B0503020204020204" pitchFamily="34" charset="-122"/>
+            <a:ea typeface="Microsoft YaHei UI" panose="020B0503020204020204" pitchFamily="34" charset="-122"/>
+          </a:endParaRPr>
+        </a:p>
+        <a:p>
+          <a:pPr marL="0" lvl="0" indent="0" algn="ctr" defTabSz="488950" rtl="0">
+            <a:lnSpc>
+              <a:spcPct val="90000"/>
+            </a:lnSpc>
+            <a:spcBef>
+              <a:spcPct val="0"/>
+            </a:spcBef>
+            <a:spcAft>
+              <a:spcPct val="35000"/>
+            </a:spcAft>
+            <a:buNone/>
+          </a:pPr>
+          <a:r>
+            <a:rPr lang="en-US" altLang="zh-CN" sz="1100" kern="1200" dirty="0">
+              <a:latin typeface="Microsoft YaHei UI" panose="020B0503020204020204" pitchFamily="34" charset="-122"/>
+              <a:ea typeface="Microsoft YaHei UI" panose="020B0503020204020204" pitchFamily="34" charset="-122"/>
+            </a:rPr>
+            <a:t>RTC</a:t>
           </a:r>
           <a:endParaRPr lang="zh-cn" sz="1100" kern="1200" dirty="0">
             <a:latin typeface="Microsoft YaHei UI" panose="020B0503020204020204" pitchFamily="34" charset="-122"/>
@@ -4405,7 +4596,7 @@
             <a:pPr rtl="0"/>
             <a:fld id="{3FDE3333-857A-4131-9EBA-B73C0C259FD7}" type="datetime1">
               <a:rPr lang="zh-CN" altLang="en-US" smtClean="0"/>
-              <a:t>2021/3/29</a:t>
+              <a:t>2021/3/31</a:t>
             </a:fld>
             <a:endParaRPr lang="en-US"/>
           </a:p>
@@ -4575,7 +4766,7 @@
             <a:pPr rtl="0"/>
             <a:fld id="{8CD12D00-6AAC-4A94-B2E5-A12E9C579B03}" type="datetime1">
               <a:rPr lang="zh-CN" altLang="en-US" smtClean="0"/>
-              <a:t>2021/3/29</a:t>
+              <a:t>2021/3/31</a:t>
             </a:fld>
             <a:endParaRPr lang="en-US"/>
           </a:p>
@@ -5089,7 +5280,7 @@
             <a:pPr rtl="0"/>
             <a:fld id="{73594A98-8FB4-4076-AE7B-5D3B1A2CBC70}" type="datetime1">
               <a:rPr lang="zh-CN" altLang="en-US" smtClean="0"/>
-              <a:t>2021/3/29</a:t>
+              <a:t>2021/3/31</a:t>
             </a:fld>
             <a:endParaRPr lang="en-US" dirty="0"/>
           </a:p>
@@ -5296,7 +5487,7 @@
             <a:pPr rtl="0"/>
             <a:fld id="{B3E0F2F7-3EF1-4761-ABAF-2FA9DDE4F1A8}" type="datetime1">
               <a:rPr lang="zh-CN" altLang="en-US" smtClean="0"/>
-              <a:t>2021/3/29</a:t>
+              <a:t>2021/3/31</a:t>
             </a:fld>
             <a:endParaRPr lang="en-US" dirty="0"/>
           </a:p>
@@ -5662,7 +5853,7 @@
             <a:pPr rtl="0"/>
             <a:fld id="{D563FC6D-277D-4D53-8EB6-E41026A24247}" type="datetime1">
               <a:rPr lang="zh-CN" altLang="en-US" smtClean="0"/>
-              <a:t>2021/3/29</a:t>
+              <a:t>2021/3/31</a:t>
             </a:fld>
             <a:endParaRPr lang="en-US" dirty="0"/>
           </a:p>
@@ -5864,7 +6055,7 @@
             <a:pPr rtl="0"/>
             <a:fld id="{F24FFC25-0C05-49C8-B150-3CF6B89B5C55}" type="datetime1">
               <a:rPr lang="zh-CN" altLang="en-US" smtClean="0"/>
-              <a:t>2021/3/29</a:t>
+              <a:t>2021/3/31</a:t>
             </a:fld>
             <a:endParaRPr lang="en-US" dirty="0"/>
           </a:p>
@@ -6180,7 +6371,7 @@
             <a:pPr rtl="0"/>
             <a:fld id="{DFC14310-5240-428A-850A-F7101D16AE5A}" type="datetime1">
               <a:rPr lang="zh-CN" altLang="en-US" smtClean="0"/>
-              <a:t>2021/3/29</a:t>
+              <a:t>2021/3/31</a:t>
             </a:fld>
             <a:endParaRPr lang="en-US" dirty="0"/>
           </a:p>
@@ -6437,7 +6628,7 @@
             <a:pPr rtl="0"/>
             <a:fld id="{71F85B13-09B0-4D01-A286-57280995F924}" type="datetime1">
               <a:rPr lang="zh-CN" altLang="en-US" smtClean="0"/>
-              <a:t>2021/3/29</a:t>
+              <a:t>2021/3/31</a:t>
             </a:fld>
             <a:endParaRPr lang="en-US" dirty="0"/>
           </a:p>
@@ -6863,7 +7054,7 @@
             <a:pPr rtl="0"/>
             <a:fld id="{F411FE78-D258-4188-9C5F-198CC4CE7F12}" type="datetime1">
               <a:rPr lang="zh-CN" altLang="en-US" smtClean="0"/>
-              <a:t>2021/3/29</a:t>
+              <a:t>2021/3/31</a:t>
             </a:fld>
             <a:endParaRPr lang="en-US" dirty="0"/>
           </a:p>
@@ -6990,7 +7181,7 @@
             <a:pPr rtl="0"/>
             <a:fld id="{BE491C52-D618-41DD-80F2-22500A780186}" type="datetime1">
               <a:rPr lang="zh-CN" altLang="en-US" smtClean="0"/>
-              <a:t>2021/3/29</a:t>
+              <a:t>2021/3/31</a:t>
             </a:fld>
             <a:endParaRPr lang="en-US" dirty="0"/>
           </a:p>
@@ -7088,7 +7279,7 @@
             <a:pPr rtl="0"/>
             <a:fld id="{26EE3488-748A-4EA8-9571-9D5A1694FA0A}" type="datetime1">
               <a:rPr lang="zh-CN" altLang="en-US" smtClean="0"/>
-              <a:t>2021/3/29</a:t>
+              <a:t>2021/3/31</a:t>
             </a:fld>
             <a:endParaRPr lang="en-US" dirty="0"/>
           </a:p>
@@ -7469,7 +7660,7 @@
             <a:pPr rtl="0"/>
             <a:fld id="{D7791703-7779-4492-8183-3F96B27D2540}" type="datetime1">
               <a:rPr lang="zh-CN" altLang="en-US" smtClean="0"/>
-              <a:t>2021/3/29</a:t>
+              <a:t>2021/3/31</a:t>
             </a:fld>
             <a:endParaRPr lang="en-US" dirty="0"/>
           </a:p>
@@ -7767,7 +7958,7 @@
             <a:pPr rtl="0"/>
             <a:fld id="{D4D22F12-409A-40D9-8774-D34C978752A7}" type="datetime1">
               <a:rPr lang="zh-CN" altLang="en-US" smtClean="0"/>
-              <a:t>2021/3/29</a:t>
+              <a:t>2021/3/31</a:t>
             </a:fld>
             <a:endParaRPr lang="en-US" dirty="0"/>
           </a:p>
@@ -7986,7 +8177,7 @@
           <a:p>
             <a:fld id="{4400FF2F-BAC0-4F33-9E13-F8F6FA55A14D}" type="datetime1">
               <a:rPr lang="zh-CN" altLang="en-US" smtClean="0"/>
-              <a:t>2021/3/29</a:t>
+              <a:t>2021/3/31</a:t>
             </a:fld>
             <a:endParaRPr lang="en-US" dirty="0"/>
           </a:p>
@@ -9038,7 +9229,7 @@
             <p:ph idx="1"/>
             <p:extLst>
               <p:ext uri="{D42A27DB-BD31-4B8C-83A1-F6EECF244321}">
-                <p14:modId xmlns:p14="http://schemas.microsoft.com/office/powerpoint/2010/main" val="119948292"/>
+                <p14:modId xmlns:p14="http://schemas.microsoft.com/office/powerpoint/2010/main" val="1860039796"/>
               </p:ext>
             </p:extLst>
           </p:nvPr>
@@ -9057,6 +9248,1037 @@
     <p:extLst>
       <p:ext uri="{BB962C8B-B14F-4D97-AF65-F5344CB8AC3E}">
         <p14:creationId xmlns:p14="http://schemas.microsoft.com/office/powerpoint/2010/main" val="263784652"/>
+      </p:ext>
+    </p:extLst>
+  </p:cSld>
+  <p:clrMapOvr>
+    <a:masterClrMapping/>
+  </p:clrMapOvr>
+</p:sld>
+</file>
+
+<file path=ppt/slides/slide3.xml><?xml version="1.0" encoding="utf-8"?>
+<p:sld xmlns:a="http://schemas.openxmlformats.org/drawingml/2006/main" xmlns:r="http://schemas.openxmlformats.org/officeDocument/2006/relationships" xmlns:p="http://schemas.openxmlformats.org/presentationml/2006/main">
+  <p:cSld>
+    <p:spTree>
+      <p:nvGrpSpPr>
+        <p:cNvPr id="1" name=""/>
+        <p:cNvGrpSpPr/>
+        <p:nvPr/>
+      </p:nvGrpSpPr>
+      <p:grpSpPr>
+        <a:xfrm>
+          <a:off x="0" y="0"/>
+          <a:ext cx="0" cy="0"/>
+          <a:chOff x="0" y="0"/>
+          <a:chExt cx="0" cy="0"/>
+        </a:xfrm>
+      </p:grpSpPr>
+      <p:sp>
+        <p:nvSpPr>
+          <p:cNvPr id="2" name="标题 1">
+            <a:extLst>
+              <a:ext uri="{FF2B5EF4-FFF2-40B4-BE49-F238E27FC236}">
+                <a16:creationId xmlns:a16="http://schemas.microsoft.com/office/drawing/2014/main" id="{6E3DF338-6754-4F51-BF1D-78BC098EB955}"/>
+              </a:ext>
+            </a:extLst>
+          </p:cNvPr>
+          <p:cNvSpPr>
+            <a:spLocks noGrp="1"/>
+          </p:cNvSpPr>
+          <p:nvPr>
+            <p:ph type="title"/>
+          </p:nvPr>
+        </p:nvSpPr>
+        <p:spPr/>
+        <p:txBody>
+          <a:bodyPr/>
+          <a:lstStyle/>
+          <a:p>
+            <a:r>
+              <a:rPr lang="en-US" altLang="zh-CN" dirty="0"/>
+              <a:t>About UI</a:t>
+            </a:r>
+            <a:endParaRPr lang="zh-CN" altLang="en-US" dirty="0"/>
+          </a:p>
+        </p:txBody>
+      </p:sp>
+      <p:sp>
+        <p:nvSpPr>
+          <p:cNvPr id="3" name="内容占位符 2">
+            <a:extLst>
+              <a:ext uri="{FF2B5EF4-FFF2-40B4-BE49-F238E27FC236}">
+                <a16:creationId xmlns:a16="http://schemas.microsoft.com/office/drawing/2014/main" id="{01DA7B2D-69DE-4BCF-906F-D6C9B3E9A105}"/>
+              </a:ext>
+            </a:extLst>
+          </p:cNvPr>
+          <p:cNvSpPr>
+            <a:spLocks noGrp="1"/>
+          </p:cNvSpPr>
+          <p:nvPr>
+            <p:ph idx="1"/>
+          </p:nvPr>
+        </p:nvSpPr>
+        <p:spPr/>
+        <p:txBody>
+          <a:bodyPr>
+            <a:normAutofit/>
+          </a:bodyPr>
+          <a:lstStyle/>
+          <a:p>
+            <a:r>
+              <a:rPr lang="en-US" altLang="zh-CN" sz="2400" dirty="0"/>
+              <a:t>We have mentioned MVVM before, if you don’t remember, please check previous PPTs.</a:t>
+            </a:r>
+          </a:p>
+          <a:p>
+            <a:r>
+              <a:rPr lang="en-US" altLang="zh-CN" sz="2400" dirty="0"/>
+              <a:t>Recently, a brand new UI framework called Compose UI is in beta testing, now we can have a complete support of dynamic declarative UI design.</a:t>
+            </a:r>
+          </a:p>
+          <a:p>
+            <a:r>
+              <a:rPr lang="en-US" altLang="zh-CN" sz="2400" dirty="0"/>
+              <a:t>DSL in Kotlin</a:t>
+            </a:r>
+            <a:endParaRPr lang="zh-CN" altLang="en-US" sz="2400" dirty="0"/>
+          </a:p>
+        </p:txBody>
+      </p:sp>
+      <p:sp>
+        <p:nvSpPr>
+          <p:cNvPr id="4" name="日期占位符 3">
+            <a:extLst>
+              <a:ext uri="{FF2B5EF4-FFF2-40B4-BE49-F238E27FC236}">
+                <a16:creationId xmlns:a16="http://schemas.microsoft.com/office/drawing/2014/main" id="{C8F84730-EC5D-4C1A-B6BB-84F17427C475}"/>
+              </a:ext>
+            </a:extLst>
+          </p:cNvPr>
+          <p:cNvSpPr>
+            <a:spLocks noGrp="1"/>
+          </p:cNvSpPr>
+          <p:nvPr>
+            <p:ph type="dt" sz="half" idx="10"/>
+          </p:nvPr>
+        </p:nvSpPr>
+        <p:spPr/>
+        <p:txBody>
+          <a:bodyPr/>
+          <a:lstStyle/>
+          <a:p>
+            <a:pPr rtl="0"/>
+            <a:fld id="{F24FFC25-0C05-49C8-B150-3CF6B89B5C55}" type="datetime1">
+              <a:rPr lang="zh-CN" altLang="en-US" smtClean="0"/>
+              <a:t>2021/3/31</a:t>
+            </a:fld>
+            <a:endParaRPr lang="en-US" dirty="0"/>
+          </a:p>
+        </p:txBody>
+      </p:sp>
+    </p:spTree>
+    <p:extLst>
+      <p:ext uri="{BB962C8B-B14F-4D97-AF65-F5344CB8AC3E}">
+        <p14:creationId xmlns:p14="http://schemas.microsoft.com/office/powerpoint/2010/main" val="3564812169"/>
+      </p:ext>
+    </p:extLst>
+  </p:cSld>
+  <p:clrMapOvr>
+    <a:masterClrMapping/>
+  </p:clrMapOvr>
+</p:sld>
+</file>
+
+<file path=ppt/slides/slide4.xml><?xml version="1.0" encoding="utf-8"?>
+<p:sld xmlns:a="http://schemas.openxmlformats.org/drawingml/2006/main" xmlns:r="http://schemas.openxmlformats.org/officeDocument/2006/relationships" xmlns:p="http://schemas.openxmlformats.org/presentationml/2006/main">
+  <p:cSld>
+    <p:spTree>
+      <p:nvGrpSpPr>
+        <p:cNvPr id="1" name=""/>
+        <p:cNvGrpSpPr/>
+        <p:nvPr/>
+      </p:nvGrpSpPr>
+      <p:grpSpPr>
+        <a:xfrm>
+          <a:off x="0" y="0"/>
+          <a:ext cx="0" cy="0"/>
+          <a:chOff x="0" y="0"/>
+          <a:chExt cx="0" cy="0"/>
+        </a:xfrm>
+      </p:grpSpPr>
+      <p:sp>
+        <p:nvSpPr>
+          <p:cNvPr id="2" name="标题 1">
+            <a:extLst>
+              <a:ext uri="{FF2B5EF4-FFF2-40B4-BE49-F238E27FC236}">
+                <a16:creationId xmlns:a16="http://schemas.microsoft.com/office/drawing/2014/main" id="{A08AECA2-BFA8-46EC-80F8-1426043B305E}"/>
+              </a:ext>
+            </a:extLst>
+          </p:cNvPr>
+          <p:cNvSpPr>
+            <a:spLocks noGrp="1"/>
+          </p:cNvSpPr>
+          <p:nvPr>
+            <p:ph type="title"/>
+          </p:nvPr>
+        </p:nvSpPr>
+        <p:spPr/>
+        <p:txBody>
+          <a:bodyPr/>
+          <a:lstStyle/>
+          <a:p>
+            <a:r>
+              <a:rPr lang="en-US" altLang="zh-CN" dirty="0"/>
+              <a:t>Database in Android</a:t>
+            </a:r>
+            <a:endParaRPr lang="zh-CN" altLang="en-US" dirty="0"/>
+          </a:p>
+        </p:txBody>
+      </p:sp>
+      <p:sp>
+        <p:nvSpPr>
+          <p:cNvPr id="3" name="内容占位符 2">
+            <a:extLst>
+              <a:ext uri="{FF2B5EF4-FFF2-40B4-BE49-F238E27FC236}">
+                <a16:creationId xmlns:a16="http://schemas.microsoft.com/office/drawing/2014/main" id="{D185E3DA-764D-4CA8-A57A-1E37E3924BA1}"/>
+              </a:ext>
+            </a:extLst>
+          </p:cNvPr>
+          <p:cNvSpPr>
+            <a:spLocks noGrp="1"/>
+          </p:cNvSpPr>
+          <p:nvPr>
+            <p:ph idx="1"/>
+          </p:nvPr>
+        </p:nvSpPr>
+        <p:spPr/>
+        <p:txBody>
+          <a:bodyPr/>
+          <a:lstStyle/>
+          <a:p>
+            <a:r>
+              <a:rPr lang="en-US" altLang="zh-CN" dirty="0"/>
+              <a:t>Raw SQLite</a:t>
+            </a:r>
+          </a:p>
+          <a:p>
+            <a:pPr marL="0" indent="0">
+              <a:buNone/>
+            </a:pPr>
+            <a:r>
+              <a:rPr lang="en-US" altLang="zh-CN" dirty="0"/>
+              <a:t>	The basic way to save a number of data in mobiles, but it is in low level and hard to use. By the way, SQLi is in high risk.</a:t>
+            </a:r>
+          </a:p>
+          <a:p>
+            <a:r>
+              <a:rPr lang="en-US" altLang="zh-CN" dirty="0" err="1"/>
+              <a:t>GreenDAO</a:t>
+            </a:r>
+            <a:r>
+              <a:rPr lang="en-US" altLang="zh-CN" dirty="0"/>
+              <a:t> or Room</a:t>
+            </a:r>
+          </a:p>
+          <a:p>
+            <a:pPr marL="0" indent="0">
+              <a:buNone/>
+            </a:pPr>
+            <a:r>
+              <a:rPr lang="en-US" altLang="zh-CN" dirty="0"/>
+              <a:t>	Encapsulation of SQLite database, they added ORM for coding. It’s much easier for you to use database accessor.</a:t>
+            </a:r>
+          </a:p>
+          <a:p>
+            <a:r>
+              <a:rPr lang="en-US" altLang="zh-CN" dirty="0"/>
+              <a:t>Realm</a:t>
+            </a:r>
+          </a:p>
+          <a:p>
+            <a:pPr marL="0" indent="0">
+              <a:buNone/>
+            </a:pPr>
+            <a:r>
+              <a:rPr lang="en-US" altLang="zh-CN" dirty="0"/>
+              <a:t>	A completely different database engine, Not SQLite!!!! So it has better functions and higher performance than other techniques. But it still has some problems.</a:t>
+            </a:r>
+          </a:p>
+        </p:txBody>
+      </p:sp>
+      <p:sp>
+        <p:nvSpPr>
+          <p:cNvPr id="4" name="日期占位符 3">
+            <a:extLst>
+              <a:ext uri="{FF2B5EF4-FFF2-40B4-BE49-F238E27FC236}">
+                <a16:creationId xmlns:a16="http://schemas.microsoft.com/office/drawing/2014/main" id="{F1E01DB2-B562-4C18-BB56-31DBD5670CB0}"/>
+              </a:ext>
+            </a:extLst>
+          </p:cNvPr>
+          <p:cNvSpPr>
+            <a:spLocks noGrp="1"/>
+          </p:cNvSpPr>
+          <p:nvPr>
+            <p:ph type="dt" sz="half" idx="10"/>
+          </p:nvPr>
+        </p:nvSpPr>
+        <p:spPr/>
+        <p:txBody>
+          <a:bodyPr/>
+          <a:lstStyle/>
+          <a:p>
+            <a:pPr rtl="0"/>
+            <a:fld id="{F24FFC25-0C05-49C8-B150-3CF6B89B5C55}" type="datetime1">
+              <a:rPr lang="zh-CN" altLang="en-US" smtClean="0"/>
+              <a:t>2021/3/31</a:t>
+            </a:fld>
+            <a:endParaRPr lang="en-US" dirty="0"/>
+          </a:p>
+        </p:txBody>
+      </p:sp>
+    </p:spTree>
+    <p:extLst>
+      <p:ext uri="{BB962C8B-B14F-4D97-AF65-F5344CB8AC3E}">
+        <p14:creationId xmlns:p14="http://schemas.microsoft.com/office/powerpoint/2010/main" val="3420206041"/>
+      </p:ext>
+    </p:extLst>
+  </p:cSld>
+  <p:clrMapOvr>
+    <a:masterClrMapping/>
+  </p:clrMapOvr>
+</p:sld>
+</file>
+
+<file path=ppt/slides/slide5.xml><?xml version="1.0" encoding="utf-8"?>
+<p:sld xmlns:a="http://schemas.openxmlformats.org/drawingml/2006/main" xmlns:r="http://schemas.openxmlformats.org/officeDocument/2006/relationships" xmlns:p="http://schemas.openxmlformats.org/presentationml/2006/main">
+  <p:cSld>
+    <p:spTree>
+      <p:nvGrpSpPr>
+        <p:cNvPr id="1" name=""/>
+        <p:cNvGrpSpPr/>
+        <p:nvPr/>
+      </p:nvGrpSpPr>
+      <p:grpSpPr>
+        <a:xfrm>
+          <a:off x="0" y="0"/>
+          <a:ext cx="0" cy="0"/>
+          <a:chOff x="0" y="0"/>
+          <a:chExt cx="0" cy="0"/>
+        </a:xfrm>
+      </p:grpSpPr>
+      <p:sp>
+        <p:nvSpPr>
+          <p:cNvPr id="2" name="标题 1">
+            <a:extLst>
+              <a:ext uri="{FF2B5EF4-FFF2-40B4-BE49-F238E27FC236}">
+                <a16:creationId xmlns:a16="http://schemas.microsoft.com/office/drawing/2014/main" id="{B21A8F24-34B8-4229-A3DD-BDF13499F2AA}"/>
+              </a:ext>
+            </a:extLst>
+          </p:cNvPr>
+          <p:cNvSpPr>
+            <a:spLocks noGrp="1"/>
+          </p:cNvSpPr>
+          <p:nvPr>
+            <p:ph type="title"/>
+          </p:nvPr>
+        </p:nvSpPr>
+        <p:spPr/>
+        <p:txBody>
+          <a:bodyPr/>
+          <a:lstStyle/>
+          <a:p>
+            <a:r>
+              <a:rPr lang="en-US" altLang="zh-CN" dirty="0" err="1"/>
+              <a:t>Room&amp;GreenDAO</a:t>
+            </a:r>
+            <a:endParaRPr lang="zh-CN" altLang="en-US" dirty="0"/>
+          </a:p>
+        </p:txBody>
+      </p:sp>
+      <p:sp>
+        <p:nvSpPr>
+          <p:cNvPr id="3" name="内容占位符 2">
+            <a:extLst>
+              <a:ext uri="{FF2B5EF4-FFF2-40B4-BE49-F238E27FC236}">
+                <a16:creationId xmlns:a16="http://schemas.microsoft.com/office/drawing/2014/main" id="{F34EB4E9-2194-4218-AF11-4F2B57D65C41}"/>
+              </a:ext>
+            </a:extLst>
+          </p:cNvPr>
+          <p:cNvSpPr>
+            <a:spLocks noGrp="1"/>
+          </p:cNvSpPr>
+          <p:nvPr>
+            <p:ph idx="1"/>
+          </p:nvPr>
+        </p:nvSpPr>
+        <p:spPr/>
+        <p:txBody>
+          <a:bodyPr/>
+          <a:lstStyle/>
+          <a:p>
+            <a:r>
+              <a:rPr lang="en-US" altLang="zh-CN" dirty="0"/>
+              <a:t>ORM</a:t>
+            </a:r>
+          </a:p>
+          <a:p>
+            <a:r>
+              <a:rPr lang="en-US" altLang="zh-CN" dirty="0"/>
+              <a:t>Auto generate SQL</a:t>
+            </a:r>
+          </a:p>
+          <a:p>
+            <a:r>
+              <a:rPr lang="en-US" altLang="zh-CN" dirty="0"/>
+              <a:t>Parameterize query string to avoid SQLI</a:t>
+            </a:r>
+          </a:p>
+          <a:p>
+            <a:endParaRPr lang="en-US" altLang="zh-CN" dirty="0"/>
+          </a:p>
+          <a:p>
+            <a:r>
+              <a:rPr lang="en-US" altLang="zh-CN" dirty="0"/>
+              <a:t>Disadvantages ? ? ? ?</a:t>
+            </a:r>
+          </a:p>
+          <a:p>
+            <a:r>
+              <a:rPr lang="en-US" altLang="zh-CN" dirty="0"/>
+              <a:t>Lazy loading?</a:t>
+            </a:r>
+          </a:p>
+          <a:p>
+            <a:r>
+              <a:rPr lang="en-US" altLang="zh-CN" dirty="0"/>
+              <a:t>Paging?</a:t>
+            </a:r>
+            <a:endParaRPr lang="zh-CN" altLang="en-US" dirty="0"/>
+          </a:p>
+        </p:txBody>
+      </p:sp>
+      <p:sp>
+        <p:nvSpPr>
+          <p:cNvPr id="4" name="日期占位符 3">
+            <a:extLst>
+              <a:ext uri="{FF2B5EF4-FFF2-40B4-BE49-F238E27FC236}">
+                <a16:creationId xmlns:a16="http://schemas.microsoft.com/office/drawing/2014/main" id="{DC4C87C5-6119-4350-995A-D54190F27CA6}"/>
+              </a:ext>
+            </a:extLst>
+          </p:cNvPr>
+          <p:cNvSpPr>
+            <a:spLocks noGrp="1"/>
+          </p:cNvSpPr>
+          <p:nvPr>
+            <p:ph type="dt" sz="half" idx="10"/>
+          </p:nvPr>
+        </p:nvSpPr>
+        <p:spPr/>
+        <p:txBody>
+          <a:bodyPr/>
+          <a:lstStyle/>
+          <a:p>
+            <a:pPr rtl="0"/>
+            <a:fld id="{F24FFC25-0C05-49C8-B150-3CF6B89B5C55}" type="datetime1">
+              <a:rPr lang="zh-CN" altLang="en-US" smtClean="0"/>
+              <a:t>2021/3/31</a:t>
+            </a:fld>
+            <a:endParaRPr lang="en-US" dirty="0"/>
+          </a:p>
+        </p:txBody>
+      </p:sp>
+    </p:spTree>
+    <p:extLst>
+      <p:ext uri="{BB962C8B-B14F-4D97-AF65-F5344CB8AC3E}">
+        <p14:creationId xmlns:p14="http://schemas.microsoft.com/office/powerpoint/2010/main" val="1719929987"/>
+      </p:ext>
+    </p:extLst>
+  </p:cSld>
+  <p:clrMapOvr>
+    <a:masterClrMapping/>
+  </p:clrMapOvr>
+</p:sld>
+</file>
+
+<file path=ppt/slides/slide6.xml><?xml version="1.0" encoding="utf-8"?>
+<p:sld xmlns:a="http://schemas.openxmlformats.org/drawingml/2006/main" xmlns:r="http://schemas.openxmlformats.org/officeDocument/2006/relationships" xmlns:p="http://schemas.openxmlformats.org/presentationml/2006/main">
+  <p:cSld>
+    <p:spTree>
+      <p:nvGrpSpPr>
+        <p:cNvPr id="1" name=""/>
+        <p:cNvGrpSpPr/>
+        <p:nvPr/>
+      </p:nvGrpSpPr>
+      <p:grpSpPr>
+        <a:xfrm>
+          <a:off x="0" y="0"/>
+          <a:ext cx="0" cy="0"/>
+          <a:chOff x="0" y="0"/>
+          <a:chExt cx="0" cy="0"/>
+        </a:xfrm>
+      </p:grpSpPr>
+      <p:sp>
+        <p:nvSpPr>
+          <p:cNvPr id="2" name="标题 1">
+            <a:extLst>
+              <a:ext uri="{FF2B5EF4-FFF2-40B4-BE49-F238E27FC236}">
+                <a16:creationId xmlns:a16="http://schemas.microsoft.com/office/drawing/2014/main" id="{42667B8E-D9C1-4EE8-A721-D130861B9BA1}"/>
+              </a:ext>
+            </a:extLst>
+          </p:cNvPr>
+          <p:cNvSpPr>
+            <a:spLocks noGrp="1"/>
+          </p:cNvSpPr>
+          <p:nvPr>
+            <p:ph type="title"/>
+          </p:nvPr>
+        </p:nvSpPr>
+        <p:spPr/>
+        <p:txBody>
+          <a:bodyPr/>
+          <a:lstStyle/>
+          <a:p>
+            <a:r>
+              <a:rPr lang="en-US" altLang="zh-CN" dirty="0" err="1"/>
+              <a:t>REAlm</a:t>
+            </a:r>
+            <a:endParaRPr lang="zh-CN" altLang="en-US" dirty="0"/>
+          </a:p>
+        </p:txBody>
+      </p:sp>
+      <p:sp>
+        <p:nvSpPr>
+          <p:cNvPr id="3" name="内容占位符 2">
+            <a:extLst>
+              <a:ext uri="{FF2B5EF4-FFF2-40B4-BE49-F238E27FC236}">
+                <a16:creationId xmlns:a16="http://schemas.microsoft.com/office/drawing/2014/main" id="{988BDDA7-6E7A-4AF4-B49A-AC9D2648AEED}"/>
+              </a:ext>
+            </a:extLst>
+          </p:cNvPr>
+          <p:cNvSpPr>
+            <a:spLocks noGrp="1"/>
+          </p:cNvSpPr>
+          <p:nvPr>
+            <p:ph idx="1"/>
+          </p:nvPr>
+        </p:nvSpPr>
+        <p:spPr/>
+        <p:txBody>
+          <a:bodyPr>
+            <a:normAutofit/>
+          </a:bodyPr>
+          <a:lstStyle/>
+          <a:p>
+            <a:r>
+              <a:rPr lang="en-US" altLang="zh-CN" sz="2000" dirty="0"/>
+              <a:t>New database engine, not SQLite</a:t>
+            </a:r>
+          </a:p>
+          <a:p>
+            <a:r>
+              <a:rPr lang="en-US" altLang="zh-CN" sz="2000" dirty="0"/>
+              <a:t>Easy to implement relationship in Database</a:t>
+            </a:r>
+          </a:p>
+          <a:p>
+            <a:r>
+              <a:rPr lang="en-US" altLang="zh-CN" sz="2000" dirty="0"/>
+              <a:t>Database Navigation</a:t>
+            </a:r>
+          </a:p>
+          <a:p>
+            <a:r>
+              <a:rPr lang="en-US" altLang="zh-CN" sz="2000" dirty="0"/>
+              <a:t>Fully adapt with declarative UI and reactive UI</a:t>
+            </a:r>
+          </a:p>
+          <a:p>
+            <a:endParaRPr lang="en-US" altLang="zh-CN" sz="2000" dirty="0"/>
+          </a:p>
+          <a:p>
+            <a:r>
+              <a:rPr lang="en-US" altLang="zh-CN" sz="2000" dirty="0"/>
+              <a:t>But unfortunately, it has no mature declarative UI in mobile, even in iOS.</a:t>
+            </a:r>
+            <a:endParaRPr lang="zh-CN" altLang="en-US" sz="2000" dirty="0"/>
+          </a:p>
+        </p:txBody>
+      </p:sp>
+      <p:sp>
+        <p:nvSpPr>
+          <p:cNvPr id="4" name="日期占位符 3">
+            <a:extLst>
+              <a:ext uri="{FF2B5EF4-FFF2-40B4-BE49-F238E27FC236}">
+                <a16:creationId xmlns:a16="http://schemas.microsoft.com/office/drawing/2014/main" id="{339B7600-5F04-492C-B990-C1CB0313ABF7}"/>
+              </a:ext>
+            </a:extLst>
+          </p:cNvPr>
+          <p:cNvSpPr>
+            <a:spLocks noGrp="1"/>
+          </p:cNvSpPr>
+          <p:nvPr>
+            <p:ph type="dt" sz="half" idx="10"/>
+          </p:nvPr>
+        </p:nvSpPr>
+        <p:spPr/>
+        <p:txBody>
+          <a:bodyPr/>
+          <a:lstStyle/>
+          <a:p>
+            <a:pPr rtl="0"/>
+            <a:fld id="{F24FFC25-0C05-49C8-B150-3CF6B89B5C55}" type="datetime1">
+              <a:rPr lang="zh-CN" altLang="en-US" smtClean="0"/>
+              <a:t>2021/3/31</a:t>
+            </a:fld>
+            <a:endParaRPr lang="en-US" dirty="0"/>
+          </a:p>
+        </p:txBody>
+      </p:sp>
+    </p:spTree>
+    <p:extLst>
+      <p:ext uri="{BB962C8B-B14F-4D97-AF65-F5344CB8AC3E}">
+        <p14:creationId xmlns:p14="http://schemas.microsoft.com/office/powerpoint/2010/main" val="2379107585"/>
+      </p:ext>
+    </p:extLst>
+  </p:cSld>
+  <p:clrMapOvr>
+    <a:masterClrMapping/>
+  </p:clrMapOvr>
+</p:sld>
+</file>
+
+<file path=ppt/slides/slide7.xml><?xml version="1.0" encoding="utf-8"?>
+<p:sld xmlns:a="http://schemas.openxmlformats.org/drawingml/2006/main" xmlns:r="http://schemas.openxmlformats.org/officeDocument/2006/relationships" xmlns:p="http://schemas.openxmlformats.org/presentationml/2006/main">
+  <p:cSld>
+    <p:spTree>
+      <p:nvGrpSpPr>
+        <p:cNvPr id="1" name=""/>
+        <p:cNvGrpSpPr/>
+        <p:nvPr/>
+      </p:nvGrpSpPr>
+      <p:grpSpPr>
+        <a:xfrm>
+          <a:off x="0" y="0"/>
+          <a:ext cx="0" cy="0"/>
+          <a:chOff x="0" y="0"/>
+          <a:chExt cx="0" cy="0"/>
+        </a:xfrm>
+      </p:grpSpPr>
+      <p:sp>
+        <p:nvSpPr>
+          <p:cNvPr id="2" name="标题 1">
+            <a:extLst>
+              <a:ext uri="{FF2B5EF4-FFF2-40B4-BE49-F238E27FC236}">
+                <a16:creationId xmlns:a16="http://schemas.microsoft.com/office/drawing/2014/main" id="{02D1E19D-53C7-4A15-AD0B-60E62A75EAD9}"/>
+              </a:ext>
+            </a:extLst>
+          </p:cNvPr>
+          <p:cNvSpPr>
+            <a:spLocks noGrp="1"/>
+          </p:cNvSpPr>
+          <p:nvPr>
+            <p:ph type="title"/>
+          </p:nvPr>
+        </p:nvSpPr>
+        <p:spPr/>
+        <p:txBody>
+          <a:bodyPr/>
+          <a:lstStyle/>
+          <a:p>
+            <a:r>
+              <a:rPr lang="en-US" altLang="zh-CN" dirty="0"/>
+              <a:t>Network Accessing</a:t>
+            </a:r>
+            <a:endParaRPr lang="zh-CN" altLang="en-US" dirty="0"/>
+          </a:p>
+        </p:txBody>
+      </p:sp>
+      <p:sp>
+        <p:nvSpPr>
+          <p:cNvPr id="3" name="内容占位符 2">
+            <a:extLst>
+              <a:ext uri="{FF2B5EF4-FFF2-40B4-BE49-F238E27FC236}">
+                <a16:creationId xmlns:a16="http://schemas.microsoft.com/office/drawing/2014/main" id="{85B07E9F-8E55-414D-A84E-D9C133D39163}"/>
+              </a:ext>
+            </a:extLst>
+          </p:cNvPr>
+          <p:cNvSpPr>
+            <a:spLocks noGrp="1"/>
+          </p:cNvSpPr>
+          <p:nvPr>
+            <p:ph idx="1"/>
+          </p:nvPr>
+        </p:nvSpPr>
+        <p:spPr/>
+        <p:txBody>
+          <a:bodyPr>
+            <a:normAutofit/>
+          </a:bodyPr>
+          <a:lstStyle/>
+          <a:p>
+            <a:r>
+              <a:rPr lang="en-US" altLang="zh-CN" sz="2800" dirty="0"/>
+              <a:t>Socket ?</a:t>
+            </a:r>
+          </a:p>
+          <a:p>
+            <a:pPr lvl="1"/>
+            <a:r>
+              <a:rPr lang="en-US" altLang="zh-CN" sz="2500" dirty="0"/>
+              <a:t>Serialization ?</a:t>
+            </a:r>
+          </a:p>
+          <a:p>
+            <a:r>
+              <a:rPr lang="en-US" altLang="zh-CN" sz="2800" dirty="0"/>
+              <a:t>Web </a:t>
+            </a:r>
+            <a:r>
+              <a:rPr lang="en-US" altLang="zh-CN" sz="2800" dirty="0" err="1"/>
+              <a:t>api</a:t>
+            </a:r>
+            <a:r>
+              <a:rPr lang="en-US" altLang="zh-CN" sz="2800" dirty="0"/>
+              <a:t> ?</a:t>
+            </a:r>
+          </a:p>
+          <a:p>
+            <a:pPr lvl="1"/>
+            <a:r>
+              <a:rPr lang="en-US" altLang="zh-CN" sz="2400" dirty="0"/>
+              <a:t>https://github.com/czf0613/database-project</a:t>
+            </a:r>
+          </a:p>
+          <a:p>
+            <a:r>
+              <a:rPr lang="en-US" altLang="zh-CN" sz="2800" dirty="0" err="1"/>
+              <a:t>rpc</a:t>
+            </a:r>
+            <a:r>
+              <a:rPr lang="en-US" altLang="zh-CN" sz="2800" dirty="0"/>
+              <a:t> ?</a:t>
+            </a:r>
+          </a:p>
+          <a:p>
+            <a:pPr lvl="1"/>
+            <a:r>
+              <a:rPr lang="en-US" altLang="zh-CN" sz="2400" dirty="0" err="1"/>
+              <a:t>Protobuf</a:t>
+            </a:r>
+            <a:r>
+              <a:rPr lang="en-US" altLang="zh-CN" sz="2400" dirty="0"/>
+              <a:t> ?</a:t>
+            </a:r>
+            <a:endParaRPr lang="zh-CN" altLang="en-US" sz="2400" dirty="0"/>
+          </a:p>
+        </p:txBody>
+      </p:sp>
+      <p:sp>
+        <p:nvSpPr>
+          <p:cNvPr id="4" name="日期占位符 3">
+            <a:extLst>
+              <a:ext uri="{FF2B5EF4-FFF2-40B4-BE49-F238E27FC236}">
+                <a16:creationId xmlns:a16="http://schemas.microsoft.com/office/drawing/2014/main" id="{E26BE70B-5598-4530-83A9-07E3DC991E24}"/>
+              </a:ext>
+            </a:extLst>
+          </p:cNvPr>
+          <p:cNvSpPr>
+            <a:spLocks noGrp="1"/>
+          </p:cNvSpPr>
+          <p:nvPr>
+            <p:ph type="dt" sz="half" idx="10"/>
+          </p:nvPr>
+        </p:nvSpPr>
+        <p:spPr/>
+        <p:txBody>
+          <a:bodyPr/>
+          <a:lstStyle/>
+          <a:p>
+            <a:pPr rtl="0"/>
+            <a:fld id="{F24FFC25-0C05-49C8-B150-3CF6B89B5C55}" type="datetime1">
+              <a:rPr lang="zh-CN" altLang="en-US" smtClean="0"/>
+              <a:t>2021/3/31</a:t>
+            </a:fld>
+            <a:endParaRPr lang="en-US" dirty="0"/>
+          </a:p>
+        </p:txBody>
+      </p:sp>
+    </p:spTree>
+    <p:extLst>
+      <p:ext uri="{BB962C8B-B14F-4D97-AF65-F5344CB8AC3E}">
+        <p14:creationId xmlns:p14="http://schemas.microsoft.com/office/powerpoint/2010/main" val="1206612853"/>
+      </p:ext>
+    </p:extLst>
+  </p:cSld>
+  <p:clrMapOvr>
+    <a:masterClrMapping/>
+  </p:clrMapOvr>
+</p:sld>
+</file>
+
+<file path=ppt/slides/slide8.xml><?xml version="1.0" encoding="utf-8"?>
+<p:sld xmlns:a="http://schemas.openxmlformats.org/drawingml/2006/main" xmlns:r="http://schemas.openxmlformats.org/officeDocument/2006/relationships" xmlns:p="http://schemas.openxmlformats.org/presentationml/2006/main">
+  <p:cSld>
+    <p:spTree>
+      <p:nvGrpSpPr>
+        <p:cNvPr id="1" name=""/>
+        <p:cNvGrpSpPr/>
+        <p:nvPr/>
+      </p:nvGrpSpPr>
+      <p:grpSpPr>
+        <a:xfrm>
+          <a:off x="0" y="0"/>
+          <a:ext cx="0" cy="0"/>
+          <a:chOff x="0" y="0"/>
+          <a:chExt cx="0" cy="0"/>
+        </a:xfrm>
+      </p:grpSpPr>
+      <p:sp>
+        <p:nvSpPr>
+          <p:cNvPr id="2" name="标题 1">
+            <a:extLst>
+              <a:ext uri="{FF2B5EF4-FFF2-40B4-BE49-F238E27FC236}">
+                <a16:creationId xmlns:a16="http://schemas.microsoft.com/office/drawing/2014/main" id="{C1C73E2A-2969-4BC1-9FD7-9744C762FA43}"/>
+              </a:ext>
+            </a:extLst>
+          </p:cNvPr>
+          <p:cNvSpPr>
+            <a:spLocks noGrp="1"/>
+          </p:cNvSpPr>
+          <p:nvPr>
+            <p:ph type="title"/>
+          </p:nvPr>
+        </p:nvSpPr>
+        <p:spPr/>
+        <p:txBody>
+          <a:bodyPr/>
+          <a:lstStyle/>
+          <a:p>
+            <a:r>
+              <a:rPr lang="en-US" altLang="zh-CN" dirty="0"/>
+              <a:t>RTC(real time communication)</a:t>
+            </a:r>
+            <a:endParaRPr lang="zh-CN" altLang="en-US" dirty="0"/>
+          </a:p>
+        </p:txBody>
+      </p:sp>
+      <p:sp>
+        <p:nvSpPr>
+          <p:cNvPr id="3" name="内容占位符 2">
+            <a:extLst>
+              <a:ext uri="{FF2B5EF4-FFF2-40B4-BE49-F238E27FC236}">
+                <a16:creationId xmlns:a16="http://schemas.microsoft.com/office/drawing/2014/main" id="{81B6C2FE-4626-4667-A2D6-BFDB08E81980}"/>
+              </a:ext>
+            </a:extLst>
+          </p:cNvPr>
+          <p:cNvSpPr>
+            <a:spLocks noGrp="1"/>
+          </p:cNvSpPr>
+          <p:nvPr>
+            <p:ph idx="1"/>
+          </p:nvPr>
+        </p:nvSpPr>
+        <p:spPr/>
+        <p:txBody>
+          <a:bodyPr/>
+          <a:lstStyle/>
+          <a:p>
+            <a:endParaRPr lang="en-US" altLang="zh-CN" dirty="0"/>
+          </a:p>
+          <a:p>
+            <a:r>
+              <a:rPr lang="en-US" altLang="zh-CN" sz="3200" dirty="0"/>
+              <a:t>Structure ?</a:t>
+            </a:r>
+          </a:p>
+          <a:p>
+            <a:r>
+              <a:rPr lang="en-US" altLang="zh-CN" sz="3200" dirty="0"/>
+              <a:t>STUN server</a:t>
+            </a:r>
+          </a:p>
+          <a:p>
+            <a:r>
+              <a:rPr lang="en-US" altLang="zh-CN" sz="3200" dirty="0"/>
+              <a:t>TURN server</a:t>
+            </a:r>
+          </a:p>
+          <a:p>
+            <a:r>
+              <a:rPr lang="en-US" altLang="zh-CN" sz="3200" dirty="0"/>
+              <a:t>P2P VS C/S</a:t>
+            </a:r>
+          </a:p>
+          <a:p>
+            <a:endParaRPr lang="zh-CN" altLang="en-US" dirty="0"/>
+          </a:p>
+        </p:txBody>
+      </p:sp>
+      <p:sp>
+        <p:nvSpPr>
+          <p:cNvPr id="4" name="日期占位符 3">
+            <a:extLst>
+              <a:ext uri="{FF2B5EF4-FFF2-40B4-BE49-F238E27FC236}">
+                <a16:creationId xmlns:a16="http://schemas.microsoft.com/office/drawing/2014/main" id="{6EDA911E-CE52-40B2-B012-6E5BF6A8F6CD}"/>
+              </a:ext>
+            </a:extLst>
+          </p:cNvPr>
+          <p:cNvSpPr>
+            <a:spLocks noGrp="1"/>
+          </p:cNvSpPr>
+          <p:nvPr>
+            <p:ph type="dt" sz="half" idx="10"/>
+          </p:nvPr>
+        </p:nvSpPr>
+        <p:spPr/>
+        <p:txBody>
+          <a:bodyPr/>
+          <a:lstStyle/>
+          <a:p>
+            <a:pPr rtl="0"/>
+            <a:fld id="{F24FFC25-0C05-49C8-B150-3CF6B89B5C55}" type="datetime1">
+              <a:rPr lang="zh-CN" altLang="en-US" smtClean="0"/>
+              <a:t>2021/3/31</a:t>
+            </a:fld>
+            <a:endParaRPr lang="en-US" dirty="0"/>
+          </a:p>
+        </p:txBody>
+      </p:sp>
+    </p:spTree>
+    <p:extLst>
+      <p:ext uri="{BB962C8B-B14F-4D97-AF65-F5344CB8AC3E}">
+        <p14:creationId xmlns:p14="http://schemas.microsoft.com/office/powerpoint/2010/main" val="3922822723"/>
+      </p:ext>
+    </p:extLst>
+  </p:cSld>
+  <p:clrMapOvr>
+    <a:masterClrMapping/>
+  </p:clrMapOvr>
+</p:sld>
+</file>
+
+<file path=ppt/slides/slide9.xml><?xml version="1.0" encoding="utf-8"?>
+<p:sld xmlns:a="http://schemas.openxmlformats.org/drawingml/2006/main" xmlns:r="http://schemas.openxmlformats.org/officeDocument/2006/relationships" xmlns:p="http://schemas.openxmlformats.org/presentationml/2006/main">
+  <p:cSld>
+    <p:spTree>
+      <p:nvGrpSpPr>
+        <p:cNvPr id="1" name=""/>
+        <p:cNvGrpSpPr/>
+        <p:nvPr/>
+      </p:nvGrpSpPr>
+      <p:grpSpPr>
+        <a:xfrm>
+          <a:off x="0" y="0"/>
+          <a:ext cx="0" cy="0"/>
+          <a:chOff x="0" y="0"/>
+          <a:chExt cx="0" cy="0"/>
+        </a:xfrm>
+      </p:grpSpPr>
+      <p:sp>
+        <p:nvSpPr>
+          <p:cNvPr id="2" name="标题 1">
+            <a:extLst>
+              <a:ext uri="{FF2B5EF4-FFF2-40B4-BE49-F238E27FC236}">
+                <a16:creationId xmlns:a16="http://schemas.microsoft.com/office/drawing/2014/main" id="{6C76548C-AEFB-4F2D-85C1-26BB7FEC8BC0}"/>
+              </a:ext>
+            </a:extLst>
+          </p:cNvPr>
+          <p:cNvSpPr>
+            <a:spLocks noGrp="1"/>
+          </p:cNvSpPr>
+          <p:nvPr>
+            <p:ph type="title"/>
+          </p:nvPr>
+        </p:nvSpPr>
+        <p:spPr/>
+        <p:txBody>
+          <a:bodyPr/>
+          <a:lstStyle/>
+          <a:p>
+            <a:r>
+              <a:rPr lang="en-US" altLang="zh-CN" dirty="0"/>
+              <a:t>Coroutine and ANR?</a:t>
+            </a:r>
+            <a:endParaRPr lang="zh-CN" altLang="en-US" dirty="0"/>
+          </a:p>
+        </p:txBody>
+      </p:sp>
+      <p:sp>
+        <p:nvSpPr>
+          <p:cNvPr id="3" name="内容占位符 2">
+            <a:extLst>
+              <a:ext uri="{FF2B5EF4-FFF2-40B4-BE49-F238E27FC236}">
+                <a16:creationId xmlns:a16="http://schemas.microsoft.com/office/drawing/2014/main" id="{D26430D5-CECF-4E3A-B69A-2839DB47A184}"/>
+              </a:ext>
+            </a:extLst>
+          </p:cNvPr>
+          <p:cNvSpPr>
+            <a:spLocks noGrp="1"/>
+          </p:cNvSpPr>
+          <p:nvPr>
+            <p:ph idx="1"/>
+          </p:nvPr>
+        </p:nvSpPr>
+        <p:spPr/>
+        <p:txBody>
+          <a:bodyPr>
+            <a:normAutofit/>
+          </a:bodyPr>
+          <a:lstStyle/>
+          <a:p>
+            <a:r>
+              <a:rPr lang="en-US" altLang="zh-CN" sz="2800" dirty="0"/>
+              <a:t>Actually we have introduced Coroutine, How to solve ANR?</a:t>
+            </a:r>
+          </a:p>
+          <a:p>
+            <a:r>
+              <a:rPr lang="en-US" altLang="zh-CN" sz="2800" dirty="0"/>
+              <a:t>Coroutine means shifting threads.</a:t>
+            </a:r>
+          </a:p>
+          <a:p>
+            <a:r>
+              <a:rPr lang="en-US" altLang="zh-CN" sz="2800" dirty="0"/>
+              <a:t>No blocking main thread keeps you away from ANR.</a:t>
+            </a:r>
+          </a:p>
+        </p:txBody>
+      </p:sp>
+      <p:sp>
+        <p:nvSpPr>
+          <p:cNvPr id="4" name="日期占位符 3">
+            <a:extLst>
+              <a:ext uri="{FF2B5EF4-FFF2-40B4-BE49-F238E27FC236}">
+                <a16:creationId xmlns:a16="http://schemas.microsoft.com/office/drawing/2014/main" id="{66A4B037-FA70-4D57-8CC1-274A32D83635}"/>
+              </a:ext>
+            </a:extLst>
+          </p:cNvPr>
+          <p:cNvSpPr>
+            <a:spLocks noGrp="1"/>
+          </p:cNvSpPr>
+          <p:nvPr>
+            <p:ph type="dt" sz="half" idx="10"/>
+          </p:nvPr>
+        </p:nvSpPr>
+        <p:spPr/>
+        <p:txBody>
+          <a:bodyPr/>
+          <a:lstStyle/>
+          <a:p>
+            <a:pPr rtl="0"/>
+            <a:fld id="{F24FFC25-0C05-49C8-B150-3CF6B89B5C55}" type="datetime1">
+              <a:rPr lang="zh-CN" altLang="en-US" smtClean="0"/>
+              <a:t>2021/3/31</a:t>
+            </a:fld>
+            <a:endParaRPr lang="en-US" dirty="0"/>
+          </a:p>
+        </p:txBody>
+      </p:sp>
+    </p:spTree>
+    <p:extLst>
+      <p:ext uri="{BB962C8B-B14F-4D97-AF65-F5344CB8AC3E}">
+        <p14:creationId xmlns:p14="http://schemas.microsoft.com/office/powerpoint/2010/main" val="3857760209"/>
       </p:ext>
     </p:extLst>
   </p:cSld>
